--- a/node/lesson-61-restful-express/restful-express.pptx
+++ b/node/lesson-61-restful-express/restful-express.pptx
@@ -22,7 +22,7 @@
   <p:sldSz cx="9144000" cy="6858000" type="screen4x3"/>
   <p:notesSz cx="6858000" cy="9144000"/>
   <p:custDataLst>
-    <p:tags r:id="rId12"/>
+    <p:tags r:id="rId11"/>
   </p:custDataLst>
   <p:defaultTextStyle>
     <a:defPPr>
@@ -1137,7 +1137,7 @@
   <p:timing>
     <p:tnLst>
       <p:par>
-        <p:cTn xmlns:p14="http://schemas.microsoft.com/office/powerpoint/2010/main" id="1" dur="indefinite" restart="never" nodeType="tmRoot"/>
+        <p:cTn id="1" dur="indefinite" restart="never" nodeType="tmRoot"/>
       </p:par>
     </p:tnLst>
   </p:timing>
@@ -1192,7 +1192,7 @@
           </a:prstGeom>
           <a:noFill/>
           <a:extLst>
-            <a:ext uri="{909E8E84-426E-40dd-AFC4-6F175D3DCCD1}">
+            <a:ext uri="{909E8E84-426E-40DD-AFC4-6F175D3DCCD1}">
               <a14:hiddenFill xmlns:a14="http://schemas.microsoft.com/office/drawing/2010/main">
                 <a:solidFill>
                   <a:srgbClr val="FFFFFF"/>
@@ -1348,7 +1348,7 @@
   <p:timing>
     <p:tnLst>
       <p:par>
-        <p:cTn xmlns:p14="http://schemas.microsoft.com/office/powerpoint/2010/main" id="1" dur="indefinite" restart="never" nodeType="tmRoot"/>
+        <p:cTn id="1" dur="indefinite" restart="never" nodeType="tmRoot"/>
       </p:par>
     </p:tnLst>
   </p:timing>
@@ -1803,7 +1803,7 @@
   <p:timing>
     <p:tnLst>
       <p:par>
-        <p:cTn xmlns:p14="http://schemas.microsoft.com/office/powerpoint/2010/main" id="1" dur="indefinite" restart="never" nodeType="tmRoot"/>
+        <p:cTn id="1" dur="indefinite" restart="never" nodeType="tmRoot"/>
       </p:par>
     </p:tnLst>
   </p:timing>
@@ -2143,7 +2143,7 @@
   <p:timing>
     <p:tnLst>
       <p:par>
-        <p:cTn xmlns:p14="http://schemas.microsoft.com/office/powerpoint/2010/main" id="1" dur="indefinite" restart="never" nodeType="tmRoot"/>
+        <p:cTn id="1" dur="indefinite" restart="never" nodeType="tmRoot"/>
       </p:par>
     </p:tnLst>
   </p:timing>
@@ -2631,7 +2631,7 @@
   <p:timing>
     <p:tnLst>
       <p:par>
-        <p:cTn xmlns:p14="http://schemas.microsoft.com/office/powerpoint/2010/main" id="1" dur="indefinite" restart="never" nodeType="tmRoot"/>
+        <p:cTn id="1" dur="indefinite" restart="never" nodeType="tmRoot"/>
       </p:par>
     </p:tnLst>
   </p:timing>
@@ -3124,7 +3124,7 @@
   <p:timing>
     <p:tnLst>
       <p:par>
-        <p:cTn xmlns:p14="http://schemas.microsoft.com/office/powerpoint/2010/main" id="1" dur="indefinite" restart="never" nodeType="tmRoot"/>
+        <p:cTn id="1" dur="indefinite" restart="never" nodeType="tmRoot"/>
       </p:par>
     </p:tnLst>
   </p:timing>
@@ -3372,15 +3372,7 @@
           <a:p>
             <a:r>
               <a:rPr lang="en-US" dirty="0" smtClean="0"/>
-              <a:t>Two most common data encodings</a:t>
-            </a:r>
-            <a:r>
-              <a:rPr lang="en-US" dirty="0" smtClean="0"/>
-              <a:t>: </a:t>
-            </a:r>
-            <a:r>
-              <a:rPr lang="en-US" dirty="0" smtClean="0"/>
-              <a:t>JSON &amp; XML</a:t>
+              <a:t>Two most common data encodings: JSON &amp; XML</a:t>
             </a:r>
           </a:p>
         </p:txBody>
@@ -4029,11 +4021,25 @@
           </a:p>
           <a:p>
             <a:r>
+              <a:rPr lang="en-US" sz="1300" dirty="0" err="1" smtClean="0">
+                <a:latin typeface="Monaco"/>
+                <a:cs typeface="Monaco"/>
+              </a:rPr>
+              <a:t>var</a:t>
+            </a:r>
+            <a:r>
+              <a:rPr lang="en-US" sz="1300" smtClean="0">
+                <a:latin typeface="Monaco"/>
+                <a:cs typeface="Monaco"/>
+              </a:rPr>
+              <a:t> user </a:t>
+            </a:r>
+            <a:r>
               <a:rPr lang="en-US" sz="1300" dirty="0">
                 <a:latin typeface="Monaco"/>
                 <a:cs typeface="Monaco"/>
               </a:rPr>
-              <a:t>user = require('./routes/users');</a:t>
+              <a:t>= require('./routes/users');</a:t>
             </a:r>
           </a:p>
           <a:p>
@@ -4622,7 +4628,7 @@
   <p:timing>
     <p:tnLst>
       <p:par>
-        <p:cTn xmlns:p14="http://schemas.microsoft.com/office/powerpoint/2010/main" id="1" dur="indefinite" restart="never" nodeType="tmRoot"/>
+        <p:cTn id="1" dur="indefinite" restart="never" nodeType="tmRoot"/>
       </p:par>
     </p:tnLst>
   </p:timing>
